--- a/slides/aula11/aula11.pptx
+++ b/slides/aula11/aula11.pptx
@@ -17,6 +17,8 @@
     <p:sldId id="280" r:id="rId11"/>
     <p:sldId id="281" r:id="rId12"/>
     <p:sldId id="282" r:id="rId13"/>
+    <p:sldId id="283" r:id="rId14"/>
+    <p:sldId id="284" r:id="rId15"/>
   </p:sldIdLst>
   <p:sldSz cx="12192000" cy="6858000"/>
   <p:notesSz cx="6858000" cy="9144000"/>
@@ -1334,7 +1336,7 @@
           <a:p>
             <a:fld id="{3E6B9030-928E-43CA-9290-488569F19E98}" type="datetimeFigureOut">
               <a:rPr lang="pt-BR" smtClean="0"/>
-              <a:t>23/06/2021</a:t>
+              <a:t>01/07/2021</a:t>
             </a:fld>
             <a:endParaRPr lang="pt-BR"/>
           </a:p>
@@ -1572,7 +1574,7 @@
           <a:p>
             <a:fld id="{3E6B9030-928E-43CA-9290-488569F19E98}" type="datetimeFigureOut">
               <a:rPr lang="pt-BR" smtClean="0"/>
-              <a:t>23/06/2021</a:t>
+              <a:t>01/07/2021</a:t>
             </a:fld>
             <a:endParaRPr lang="pt-BR"/>
           </a:p>
@@ -1752,7 +1754,7 @@
           <a:p>
             <a:fld id="{3E6B9030-928E-43CA-9290-488569F19E98}" type="datetimeFigureOut">
               <a:rPr lang="pt-BR" smtClean="0"/>
-              <a:t>23/06/2021</a:t>
+              <a:t>01/07/2021</a:t>
             </a:fld>
             <a:endParaRPr lang="pt-BR"/>
           </a:p>
@@ -1922,7 +1924,7 @@
           <a:p>
             <a:fld id="{3E6B9030-928E-43CA-9290-488569F19E98}" type="datetimeFigureOut">
               <a:rPr lang="pt-BR" smtClean="0"/>
-              <a:t>23/06/2021</a:t>
+              <a:t>01/07/2021</a:t>
             </a:fld>
             <a:endParaRPr lang="pt-BR"/>
           </a:p>
@@ -2198,7 +2200,7 @@
           <a:p>
             <a:fld id="{3E6B9030-928E-43CA-9290-488569F19E98}" type="datetimeFigureOut">
               <a:rPr lang="pt-BR" smtClean="0"/>
-              <a:t>23/06/2021</a:t>
+              <a:t>01/07/2021</a:t>
             </a:fld>
             <a:endParaRPr lang="pt-BR"/>
           </a:p>
@@ -3399,7 +3401,7 @@
           <a:p>
             <a:fld id="{3E6B9030-928E-43CA-9290-488569F19E98}" type="datetimeFigureOut">
               <a:rPr lang="pt-BR" smtClean="0"/>
-              <a:t>23/06/2021</a:t>
+              <a:t>01/07/2021</a:t>
             </a:fld>
             <a:endParaRPr lang="pt-BR"/>
           </a:p>
@@ -3789,7 +3791,7 @@
           <a:p>
             <a:fld id="{3E6B9030-928E-43CA-9290-488569F19E98}" type="datetimeFigureOut">
               <a:rPr lang="pt-BR" smtClean="0"/>
-              <a:t>23/06/2021</a:t>
+              <a:t>01/07/2021</a:t>
             </a:fld>
             <a:endParaRPr lang="pt-BR"/>
           </a:p>
@@ -3912,7 +3914,7 @@
           <a:p>
             <a:fld id="{3E6B9030-928E-43CA-9290-488569F19E98}" type="datetimeFigureOut">
               <a:rPr lang="pt-BR" smtClean="0"/>
-              <a:t>23/06/2021</a:t>
+              <a:t>01/07/2021</a:t>
             </a:fld>
             <a:endParaRPr lang="pt-BR"/>
           </a:p>
@@ -4007,7 +4009,7 @@
           <a:p>
             <a:fld id="{3E6B9030-928E-43CA-9290-488569F19E98}" type="datetimeFigureOut">
               <a:rPr lang="pt-BR" smtClean="0"/>
-              <a:t>23/06/2021</a:t>
+              <a:t>01/07/2021</a:t>
             </a:fld>
             <a:endParaRPr lang="pt-BR"/>
           </a:p>
@@ -4770,7 +4772,7 @@
           <a:p>
             <a:fld id="{3E6B9030-928E-43CA-9290-488569F19E98}" type="datetimeFigureOut">
               <a:rPr lang="pt-BR" smtClean="0"/>
-              <a:t>23/06/2021</a:t>
+              <a:t>01/07/2021</a:t>
             </a:fld>
             <a:endParaRPr lang="pt-BR"/>
           </a:p>
@@ -5610,7 +5612,7 @@
           <a:p>
             <a:fld id="{3E6B9030-928E-43CA-9290-488569F19E98}" type="datetimeFigureOut">
               <a:rPr lang="pt-BR" smtClean="0"/>
-              <a:t>23/06/2021</a:t>
+              <a:t>01/07/2021</a:t>
             </a:fld>
             <a:endParaRPr lang="pt-BR"/>
           </a:p>
@@ -5837,7 +5839,7 @@
           <a:p>
             <a:fld id="{3E6B9030-928E-43CA-9290-488569F19E98}" type="datetimeFigureOut">
               <a:rPr lang="pt-BR" smtClean="0"/>
-              <a:t>23/06/2021</a:t>
+              <a:t>01/07/2021</a:t>
             </a:fld>
             <a:endParaRPr lang="pt-BR"/>
           </a:p>
@@ -7341,6 +7343,341 @@
 </p:sld>
 </file>
 
+<file path=ppt/slides/slide13.xml><?xml version="1.0" encoding="utf-8"?>
+<p:sld xmlns:a="http://schemas.openxmlformats.org/drawingml/2006/main" xmlns:r="http://schemas.openxmlformats.org/officeDocument/2006/relationships" xmlns:p="http://schemas.openxmlformats.org/presentationml/2006/main">
+  <p:cSld>
+    <p:spTree>
+      <p:nvGrpSpPr>
+        <p:cNvPr id="1" name=""/>
+        <p:cNvGrpSpPr/>
+        <p:nvPr/>
+      </p:nvGrpSpPr>
+      <p:grpSpPr>
+        <a:xfrm>
+          <a:off x="0" y="0"/>
+          <a:ext cx="0" cy="0"/>
+          <a:chOff x="0" y="0"/>
+          <a:chExt cx="0" cy="0"/>
+        </a:xfrm>
+      </p:grpSpPr>
+      <p:sp>
+        <p:nvSpPr>
+          <p:cNvPr id="2" name="Título 1">
+            <a:extLst>
+              <a:ext uri="{FF2B5EF4-FFF2-40B4-BE49-F238E27FC236}">
+                <a16:creationId xmlns:a16="http://schemas.microsoft.com/office/drawing/2014/main" id="{4118B6CB-52CE-4224-8580-419AB51FC7C7}"/>
+              </a:ext>
+            </a:extLst>
+          </p:cNvPr>
+          <p:cNvSpPr>
+            <a:spLocks noGrp="1"/>
+          </p:cNvSpPr>
+          <p:nvPr>
+            <p:ph type="title"/>
+          </p:nvPr>
+        </p:nvSpPr>
+        <p:spPr/>
+        <p:txBody>
+          <a:bodyPr/>
+          <a:lstStyle/>
+          <a:p>
+            <a:pPr algn="ctr"/>
+            <a:r>
+              <a:rPr lang="pt-BR" dirty="0" err="1"/>
+              <a:t>Promisse.all</a:t>
+            </a:r>
+            <a:r>
+              <a:rPr lang="pt-BR" dirty="0"/>
+              <a:t>()</a:t>
+            </a:r>
+          </a:p>
+        </p:txBody>
+      </p:sp>
+      <p:sp>
+        <p:nvSpPr>
+          <p:cNvPr id="3" name="Espaço Reservado para Conteúdo 2">
+            <a:extLst>
+              <a:ext uri="{FF2B5EF4-FFF2-40B4-BE49-F238E27FC236}">
+                <a16:creationId xmlns:a16="http://schemas.microsoft.com/office/drawing/2014/main" id="{623EC334-DEB4-4580-8FBE-68FC94B542FE}"/>
+              </a:ext>
+            </a:extLst>
+          </p:cNvPr>
+          <p:cNvSpPr>
+            <a:spLocks noGrp="1"/>
+          </p:cNvSpPr>
+          <p:nvPr>
+            <p:ph idx="1"/>
+          </p:nvPr>
+        </p:nvSpPr>
+        <p:spPr>
+          <a:xfrm>
+            <a:off x="1251678" y="1128451"/>
+            <a:ext cx="10178322" cy="3593591"/>
+          </a:xfrm>
+        </p:spPr>
+        <p:txBody>
+          <a:bodyPr/>
+          <a:lstStyle/>
+          <a:p>
+            <a:r>
+              <a:rPr lang="pt-BR" dirty="0"/>
+              <a:t>Retorna uma nova </a:t>
+            </a:r>
+            <a:r>
+              <a:rPr lang="pt-BR" dirty="0" err="1"/>
+              <a:t>promisse</a:t>
+            </a:r>
+            <a:r>
+              <a:rPr lang="pt-BR" dirty="0"/>
+              <a:t> assim que todas as que foram passadas sejam resolvidas ou pelo menos uma rejeitada.</a:t>
+            </a:r>
+          </a:p>
+          <a:p>
+            <a:r>
+              <a:rPr lang="pt-BR" dirty="0"/>
+              <a:t>Recebe como parâmetro um </a:t>
+            </a:r>
+            <a:r>
+              <a:rPr lang="pt-BR" dirty="0" err="1"/>
+              <a:t>array</a:t>
+            </a:r>
+            <a:r>
+              <a:rPr lang="pt-BR" dirty="0"/>
+              <a:t> de </a:t>
+            </a:r>
+            <a:r>
+              <a:rPr lang="pt-BR" dirty="0" err="1"/>
+              <a:t>promisses</a:t>
+            </a:r>
+            <a:r>
+              <a:rPr lang="pt-BR" dirty="0"/>
+              <a:t>.</a:t>
+            </a:r>
+          </a:p>
+          <a:p>
+            <a:r>
+              <a:rPr lang="pt-BR" dirty="0"/>
+              <a:t>A resposta é um </a:t>
+            </a:r>
+            <a:r>
+              <a:rPr lang="pt-BR" dirty="0" err="1"/>
+              <a:t>array</a:t>
+            </a:r>
+            <a:r>
+              <a:rPr lang="pt-BR" dirty="0"/>
+              <a:t> om as respostas de todas as </a:t>
+            </a:r>
+            <a:r>
+              <a:rPr lang="pt-BR" dirty="0" err="1"/>
+              <a:t>promisses</a:t>
+            </a:r>
+            <a:r>
+              <a:rPr lang="pt-BR" dirty="0"/>
+              <a:t>.</a:t>
+            </a:r>
+          </a:p>
+          <a:p>
+            <a:endParaRPr lang="pt-BR" dirty="0"/>
+          </a:p>
+        </p:txBody>
+      </p:sp>
+      <p:pic>
+        <p:nvPicPr>
+          <p:cNvPr id="5" name="Imagem 4">
+            <a:extLst>
+              <a:ext uri="{FF2B5EF4-FFF2-40B4-BE49-F238E27FC236}">
+                <a16:creationId xmlns:a16="http://schemas.microsoft.com/office/drawing/2014/main" id="{F6D4A367-711B-4381-95D9-EAD3521808DF}"/>
+              </a:ext>
+            </a:extLst>
+          </p:cNvPr>
+          <p:cNvPicPr>
+            <a:picLocks noChangeAspect="1"/>
+          </p:cNvPicPr>
+          <p:nvPr/>
+        </p:nvPicPr>
+        <p:blipFill>
+          <a:blip r:embed="rId2"/>
+          <a:stretch>
+            <a:fillRect/>
+          </a:stretch>
+        </p:blipFill>
+        <p:spPr>
+          <a:xfrm>
+            <a:off x="2923968" y="2784797"/>
+            <a:ext cx="6344064" cy="3874489"/>
+          </a:xfrm>
+          <a:prstGeom prst="rect">
+            <a:avLst/>
+          </a:prstGeom>
+        </p:spPr>
+      </p:pic>
+    </p:spTree>
+    <p:extLst>
+      <p:ext uri="{BB962C8B-B14F-4D97-AF65-F5344CB8AC3E}">
+        <p14:creationId xmlns:p14="http://schemas.microsoft.com/office/powerpoint/2010/main" val="4091679978"/>
+      </p:ext>
+    </p:extLst>
+  </p:cSld>
+  <p:clrMapOvr>
+    <a:masterClrMapping/>
+  </p:clrMapOvr>
+</p:sld>
+</file>
+
+<file path=ppt/slides/slide14.xml><?xml version="1.0" encoding="utf-8"?>
+<p:sld xmlns:a="http://schemas.openxmlformats.org/drawingml/2006/main" xmlns:r="http://schemas.openxmlformats.org/officeDocument/2006/relationships" xmlns:p="http://schemas.openxmlformats.org/presentationml/2006/main">
+  <p:cSld>
+    <p:spTree>
+      <p:nvGrpSpPr>
+        <p:cNvPr id="1" name=""/>
+        <p:cNvGrpSpPr/>
+        <p:nvPr/>
+      </p:nvGrpSpPr>
+      <p:grpSpPr>
+        <a:xfrm>
+          <a:off x="0" y="0"/>
+          <a:ext cx="0" cy="0"/>
+          <a:chOff x="0" y="0"/>
+          <a:chExt cx="0" cy="0"/>
+        </a:xfrm>
+      </p:grpSpPr>
+      <p:sp>
+        <p:nvSpPr>
+          <p:cNvPr id="2" name="Título 1">
+            <a:extLst>
+              <a:ext uri="{FF2B5EF4-FFF2-40B4-BE49-F238E27FC236}">
+                <a16:creationId xmlns:a16="http://schemas.microsoft.com/office/drawing/2014/main" id="{DAD06758-D161-438D-9CB8-8A949C5773BA}"/>
+              </a:ext>
+            </a:extLst>
+          </p:cNvPr>
+          <p:cNvSpPr>
+            <a:spLocks noGrp="1"/>
+          </p:cNvSpPr>
+          <p:nvPr>
+            <p:ph type="title"/>
+          </p:nvPr>
+        </p:nvSpPr>
+        <p:spPr/>
+        <p:txBody>
+          <a:bodyPr/>
+          <a:lstStyle/>
+          <a:p>
+            <a:pPr algn="ctr"/>
+            <a:r>
+              <a:rPr lang="pt-BR" dirty="0" err="1"/>
+              <a:t>Promise.race</a:t>
+            </a:r>
+            <a:r>
+              <a:rPr lang="pt-BR" dirty="0"/>
+              <a:t>()</a:t>
+            </a:r>
+          </a:p>
+        </p:txBody>
+      </p:sp>
+      <p:sp>
+        <p:nvSpPr>
+          <p:cNvPr id="3" name="Espaço Reservado para Conteúdo 2">
+            <a:extLst>
+              <a:ext uri="{FF2B5EF4-FFF2-40B4-BE49-F238E27FC236}">
+                <a16:creationId xmlns:a16="http://schemas.microsoft.com/office/drawing/2014/main" id="{38D50D28-3424-4B3F-B240-30CA4C97F640}"/>
+              </a:ext>
+            </a:extLst>
+          </p:cNvPr>
+          <p:cNvSpPr>
+            <a:spLocks noGrp="1"/>
+          </p:cNvSpPr>
+          <p:nvPr>
+            <p:ph idx="1"/>
+          </p:nvPr>
+        </p:nvSpPr>
+        <p:spPr>
+          <a:xfrm>
+            <a:off x="1463713" y="1389893"/>
+            <a:ext cx="10178322" cy="3593591"/>
+          </a:xfrm>
+        </p:spPr>
+        <p:txBody>
+          <a:bodyPr/>
+          <a:lstStyle/>
+          <a:p>
+            <a:r>
+              <a:rPr lang="pt-BR" dirty="0"/>
+              <a:t>Funciona quase que dá mesma forma que a </a:t>
+            </a:r>
+            <a:r>
+              <a:rPr lang="pt-BR" dirty="0" err="1"/>
+              <a:t>Promise.all</a:t>
+            </a:r>
+            <a:r>
+              <a:rPr lang="pt-BR" dirty="0"/>
+              <a:t>()</a:t>
+            </a:r>
+          </a:p>
+          <a:p>
+            <a:r>
+              <a:rPr lang="pt-BR" dirty="0"/>
+              <a:t>Porém ela só retorna a primeira que for resolvida no </a:t>
+            </a:r>
+            <a:r>
+              <a:rPr lang="pt-BR" dirty="0" err="1"/>
+              <a:t>array</a:t>
+            </a:r>
+            <a:r>
+              <a:rPr lang="pt-BR" dirty="0"/>
+              <a:t>.</a:t>
+            </a:r>
+          </a:p>
+          <a:p>
+            <a:pPr marL="0" indent="0">
+              <a:buNone/>
+            </a:pPr>
+            <a:endParaRPr lang="pt-BR" dirty="0"/>
+          </a:p>
+        </p:txBody>
+      </p:sp>
+      <p:pic>
+        <p:nvPicPr>
+          <p:cNvPr id="5" name="Imagem 4">
+            <a:extLst>
+              <a:ext uri="{FF2B5EF4-FFF2-40B4-BE49-F238E27FC236}">
+                <a16:creationId xmlns:a16="http://schemas.microsoft.com/office/drawing/2014/main" id="{C86D1AA2-D646-46DC-A228-0AF24CAA9647}"/>
+              </a:ext>
+            </a:extLst>
+          </p:cNvPr>
+          <p:cNvPicPr>
+            <a:picLocks noChangeAspect="1"/>
+          </p:cNvPicPr>
+          <p:nvPr/>
+        </p:nvPicPr>
+        <p:blipFill>
+          <a:blip r:embed="rId2"/>
+          <a:stretch>
+            <a:fillRect/>
+          </a:stretch>
+        </p:blipFill>
+        <p:spPr>
+          <a:xfrm>
+            <a:off x="3184249" y="2284615"/>
+            <a:ext cx="6115050" cy="4191000"/>
+          </a:xfrm>
+          <a:prstGeom prst="rect">
+            <a:avLst/>
+          </a:prstGeom>
+        </p:spPr>
+      </p:pic>
+    </p:spTree>
+    <p:extLst>
+      <p:ext uri="{BB962C8B-B14F-4D97-AF65-F5344CB8AC3E}">
+        <p14:creationId xmlns:p14="http://schemas.microsoft.com/office/powerpoint/2010/main" val="235372376"/>
+      </p:ext>
+    </p:extLst>
+  </p:cSld>
+  <p:clrMapOvr>
+    <a:masterClrMapping/>
+  </p:clrMapOvr>
+</p:sld>
+</file>
+
 <file path=ppt/slides/slide2.xml><?xml version="1.0" encoding="utf-8"?>
 <p:sld xmlns:a="http://schemas.openxmlformats.org/drawingml/2006/main" xmlns:r="http://schemas.openxmlformats.org/officeDocument/2006/relationships" xmlns:p="http://schemas.openxmlformats.org/presentationml/2006/main">
   <p:cSld>
